--- a/[Yanling Meng] PSW - GuidedCapstone.pptx
+++ b/[Yanling Meng] PSW - GuidedCapstone.pptx
@@ -1892,11 +1892,11 @@
               <a:buNone/>
             </a:pPr>
             <a:r>
-              <a:rPr lang="en-AU" b="1"/>
+              <a:rPr lang="en-AU" b="1" dirty="0"/>
               <a:t>Hypothesis: </a:t>
             </a:r>
             <a:r>
-              <a:rPr lang="en-AU" sz="1200" b="0" i="1" u="none" strike="noStrike" cap="none">
+              <a:rPr lang="en-AU" sz="1200" b="0" i="1" u="none" strike="noStrike" cap="none" dirty="0">
                 <a:solidFill>
                   <a:srgbClr val="000000"/>
                 </a:solidFill>
@@ -1908,7 +1908,7 @@
               <a:t>Create a Hypothesis with an emphasis on SMART principles. </a:t>
             </a:r>
             <a:r>
-              <a:rPr lang="en-AU" sz="1200" b="1" i="1" u="none" strike="noStrike" cap="none">
+              <a:rPr lang="en-AU" sz="1200" b="1" i="1" u="none" strike="noStrike" cap="none" dirty="0">
                 <a:solidFill>
                   <a:srgbClr val="000000"/>
                 </a:solidFill>
@@ -1920,19 +1920,27 @@
               <a:t>(</a:t>
             </a:r>
             <a:r>
-              <a:rPr lang="en-AU" sz="1200" b="1" i="1"/>
-              <a:t>S – Specific, M – Measurable, A – Achievable, R – Realistic, T – Timebound). </a:t>
-            </a:r>
-            <a:r>
-              <a:rPr lang="en-AU" sz="1200" b="0" i="0"/>
+              <a:rPr lang="en-AU" sz="1200" b="1" i="1" dirty="0"/>
+              <a:t>S – Specific, M – Measurable, A – Achievable, R – Realistic, T – </a:t>
+            </a:r>
+            <a:r>
+              <a:rPr lang="en-AU" sz="1200" b="1" i="1" dirty="0" err="1"/>
+              <a:t>Timebound</a:t>
+            </a:r>
+            <a:r>
+              <a:rPr lang="en-AU" sz="1200" b="1" i="1" dirty="0"/>
+              <a:t>). </a:t>
+            </a:r>
+            <a:r>
+              <a:rPr lang="en-AU" sz="1200" b="0" i="0" dirty="0"/>
               <a:t>If you cannot do this, you </a:t>
             </a:r>
             <a:r>
-              <a:rPr lang="en-AU" sz="1200" b="1" i="0"/>
+              <a:rPr lang="en-AU" sz="1200" b="1" i="0" dirty="0"/>
               <a:t>do not</a:t>
             </a:r>
             <a:r>
-              <a:rPr lang="en-AU" sz="1200" b="0" i="0"/>
+              <a:rPr lang="en-AU" sz="1200" b="0" i="0" dirty="0"/>
               <a:t> have a good grasp on the business problem.</a:t>
             </a:r>
             <a:endParaRPr b="1"/>
@@ -1972,22 +1980,22 @@
               <a:buNone/>
             </a:pPr>
             <a:r>
-              <a:rPr lang="en-AU" b="1"/>
+              <a:rPr lang="en-AU" b="1" dirty="0"/>
               <a:t>Context: </a:t>
             </a:r>
             <a:r>
-              <a:rPr lang="en-AU" sz="1200"/>
+              <a:rPr lang="en-AU" sz="1200" dirty="0"/>
               <a:t>With context, we have </a:t>
             </a:r>
             <a:r>
-              <a:rPr lang="en-AU" sz="1200" b="1" u="sng"/>
+              <a:rPr lang="en-AU" sz="1200" b="1" u="sng" dirty="0"/>
               <a:t>clearly identified the problem at hand </a:t>
             </a:r>
             <a:r>
-              <a:rPr lang="en-AU" sz="1200"/>
+              <a:rPr lang="en-AU" sz="1200" dirty="0"/>
               <a:t>and have elucidated on how our initiative may solve this problem, alongside the commercial implications this will have on the business. </a:t>
             </a:r>
-            <a:endParaRPr/>
+            <a:endParaRPr dirty="0"/>
           </a:p>
           <a:p>
             <a:pPr marL="0" lvl="0" indent="0" algn="l" rtl="0">
@@ -2003,7 +2011,7 @@
               <a:buSzPts val="1400"/>
               <a:buNone/>
             </a:pPr>
-            <a:endParaRPr b="1"/>
+            <a:endParaRPr b="1" dirty="0"/>
           </a:p>
           <a:p>
             <a:pPr marL="0" lvl="0" indent="0" algn="l" rtl="0">
@@ -2020,14 +2028,14 @@
               <a:buNone/>
             </a:pPr>
             <a:r>
-              <a:rPr lang="en-AU" b="1"/>
+              <a:rPr lang="en-AU" b="1" dirty="0"/>
               <a:t>Criteria for Success</a:t>
             </a:r>
             <a:r>
-              <a:rPr lang="en-AU" b="0"/>
+              <a:rPr lang="en-AU" b="0" dirty="0"/>
               <a:t>: Clearly defining the criteria for success ensures that the scope of your work is clearly defined and understood. Otherwise, if this isn’t defined – your work will never end which will result in mismatched expectations.</a:t>
             </a:r>
-            <a:endParaRPr/>
+            <a:endParaRPr dirty="0"/>
           </a:p>
           <a:p>
             <a:pPr marL="0" lvl="0" indent="0" algn="l" rtl="0">
@@ -2043,7 +2051,7 @@
               <a:buSzPts val="1400"/>
               <a:buNone/>
             </a:pPr>
-            <a:endParaRPr b="0"/>
+            <a:endParaRPr b="0" dirty="0"/>
           </a:p>
           <a:p>
             <a:pPr marL="0" lvl="0" indent="0" algn="l" rtl="0">
@@ -2060,14 +2068,14 @@
               <a:buNone/>
             </a:pPr>
             <a:r>
-              <a:rPr lang="en-AU" b="1"/>
+              <a:rPr lang="en-AU" b="1" dirty="0"/>
               <a:t>Scope of Solution Space: </a:t>
             </a:r>
             <a:r>
-              <a:rPr lang="en-AU" b="0"/>
+              <a:rPr lang="en-AU" b="0" dirty="0"/>
               <a:t>Scoping out the solution space ensures that the business initiative is SPECIFIC for a certain segment or area. This prevents solutions that have been developed being scaled and applied for all other business units that the solution may not be responsible or scalable for.</a:t>
             </a:r>
-            <a:endParaRPr/>
+            <a:endParaRPr dirty="0"/>
           </a:p>
           <a:p>
             <a:pPr marL="0" lvl="0" indent="0" algn="l" rtl="0">
@@ -2083,7 +2091,7 @@
               <a:buSzPts val="1400"/>
               <a:buNone/>
             </a:pPr>
-            <a:endParaRPr b="0"/>
+            <a:endParaRPr b="0" dirty="0"/>
           </a:p>
           <a:p>
             <a:pPr marL="0" lvl="0" indent="0" algn="l" rtl="0">
@@ -2100,14 +2108,14 @@
               <a:buNone/>
             </a:pPr>
             <a:r>
-              <a:rPr lang="en-AU" b="1"/>
+              <a:rPr lang="en-AU" b="1" dirty="0"/>
               <a:t>Constraints within Solution Space: </a:t>
             </a:r>
             <a:r>
-              <a:rPr lang="en-AU" b="0"/>
+              <a:rPr lang="en-AU" b="0" dirty="0"/>
               <a:t>Looking forward, what are the foreseeable problems we are likely to encounter? Could this be stakeholder resistance? Could this be we don’t have access to the right data? </a:t>
             </a:r>
-            <a:endParaRPr/>
+            <a:endParaRPr dirty="0"/>
           </a:p>
           <a:p>
             <a:pPr marL="0" lvl="0" indent="0" algn="l" rtl="0">
@@ -2123,7 +2131,7 @@
               <a:buSzPts val="1400"/>
               <a:buNone/>
             </a:pPr>
-            <a:endParaRPr b="0"/>
+            <a:endParaRPr b="0" dirty="0"/>
           </a:p>
           <a:p>
             <a:pPr marL="0" lvl="0" indent="0" algn="l" rtl="0">
@@ -2140,14 +2148,14 @@
               <a:buNone/>
             </a:pPr>
             <a:r>
-              <a:rPr lang="en-AU" b="1"/>
+              <a:rPr lang="en-AU" b="1" dirty="0"/>
               <a:t>Stakeholders to provide key insight: </a:t>
             </a:r>
             <a:r>
-              <a:rPr lang="en-AU" b="0"/>
+              <a:rPr lang="en-AU" b="0" dirty="0"/>
               <a:t>Who are the people I need to speak to, to get the answers I need for my data analysis?</a:t>
             </a:r>
-            <a:endParaRPr/>
+            <a:endParaRPr dirty="0"/>
           </a:p>
           <a:p>
             <a:pPr marL="0" lvl="0" indent="0" algn="l" rtl="0">
@@ -2163,7 +2171,7 @@
               <a:buSzPts val="1400"/>
               <a:buNone/>
             </a:pPr>
-            <a:endParaRPr b="0"/>
+            <a:endParaRPr b="0" dirty="0"/>
           </a:p>
           <a:p>
             <a:pPr marL="0" lvl="0" indent="0" algn="l" rtl="0">
@@ -2180,14 +2188,14 @@
               <a:buNone/>
             </a:pPr>
             <a:r>
-              <a:rPr lang="en-AU" b="1"/>
+              <a:rPr lang="en-AU" b="1" dirty="0"/>
               <a:t>What key data sources are required</a:t>
             </a:r>
             <a:r>
-              <a:rPr lang="en-AU" b="0"/>
+              <a:rPr lang="en-AU" b="0" dirty="0"/>
               <a:t>?</a:t>
             </a:r>
-            <a:endParaRPr/>
+            <a:endParaRPr dirty="0"/>
           </a:p>
           <a:p>
             <a:pPr marL="0" lvl="0" indent="0" algn="l" rtl="0">
@@ -2204,10 +2212,10 @@
               <a:buNone/>
             </a:pPr>
             <a:r>
-              <a:rPr lang="en-AU" b="0"/>
+              <a:rPr lang="en-AU" b="0" dirty="0"/>
               <a:t>Based off my discussions with the key stakeholders – can we clearly list out all the data sources we need so we can make a highly targeted request as opposed to a scatter-gun approach where we ask for a bit of everything?</a:t>
             </a:r>
-            <a:endParaRPr/>
+            <a:endParaRPr dirty="0"/>
           </a:p>
           <a:p>
             <a:pPr marL="0" lvl="0" indent="0" algn="l" rtl="0">
@@ -2223,7 +2231,7 @@
               <a:buSzPts val="1400"/>
               <a:buNone/>
             </a:pPr>
-            <a:endParaRPr b="1"/>
+            <a:endParaRPr b="1" dirty="0"/>
           </a:p>
           <a:p>
             <a:pPr marL="0" lvl="0" indent="0" algn="l" rtl="0">
@@ -2239,7 +2247,7 @@
               <a:buSzPts val="1400"/>
               <a:buNone/>
             </a:pPr>
-            <a:endParaRPr b="1"/>
+            <a:endParaRPr b="1" dirty="0"/>
           </a:p>
         </p:txBody>
       </p:sp>
@@ -3936,7 +3944,7 @@
               <a:buNone/>
             </a:pPr>
             <a:r>
-              <a:rPr lang="en-AU" sz="1428" b="0" i="0" u="none" strike="noStrike" cap="none">
+              <a:rPr lang="en-AU" sz="1600" b="0" i="0" u="none" strike="noStrike" cap="none">
                 <a:solidFill>
                   <a:schemeClr val="lt1"/>
                 </a:solidFill>
@@ -3947,7 +3955,7 @@
               </a:rPr>
               <a:t>1</a:t>
             </a:r>
-            <a:endParaRPr sz="1428" b="0" i="0" u="none" strike="noStrike" cap="none">
+            <a:endParaRPr sz="1600" b="0" i="0" u="none" strike="noStrike" cap="none">
               <a:solidFill>
                 <a:schemeClr val="lt1"/>
               </a:solidFill>
@@ -4004,7 +4012,7 @@
               <a:buNone/>
             </a:pPr>
             <a:r>
-              <a:rPr lang="en-AU" sz="1428" b="0" i="0" u="none" strike="noStrike" cap="none">
+              <a:rPr lang="en-AU" sz="1600" b="0" i="0" u="none" strike="noStrike" cap="none" dirty="0">
                 <a:solidFill>
                   <a:schemeClr val="lt1"/>
                 </a:solidFill>
@@ -4015,7 +4023,7 @@
               </a:rPr>
               <a:t>4</a:t>
             </a:r>
-            <a:endParaRPr sz="1400" b="0" i="0" u="none" strike="noStrike" cap="none">
+            <a:endParaRPr sz="1600" b="0" i="0" u="none" strike="noStrike" cap="none" dirty="0">
               <a:solidFill>
                 <a:srgbClr val="000000"/>
               </a:solidFill>
@@ -4070,7 +4078,7 @@
               <a:buNone/>
             </a:pPr>
             <a:r>
-              <a:rPr lang="en-AU" sz="1428" b="0" i="0" u="none" strike="noStrike" cap="none">
+              <a:rPr lang="en-AU" sz="1600" b="0" i="0" u="none" strike="noStrike" cap="none" dirty="0">
                 <a:solidFill>
                   <a:schemeClr val="dk1"/>
                 </a:solidFill>
@@ -4081,7 +4089,7 @@
               </a:rPr>
               <a:t>Context</a:t>
             </a:r>
-            <a:endParaRPr sz="1400" b="0" i="0" u="none" strike="noStrike" cap="none">
+            <a:endParaRPr sz="1600" b="0" i="0" u="none" strike="noStrike" cap="none" dirty="0">
               <a:solidFill>
                 <a:srgbClr val="000000"/>
               </a:solidFill>
@@ -4136,7 +4144,7 @@
               <a:buNone/>
             </a:pPr>
             <a:r>
-              <a:rPr lang="en-AU" sz="1428" b="0" i="0" u="none" strike="noStrike" cap="none">
+              <a:rPr lang="en-AU" sz="1600" b="0" i="0" u="none" strike="noStrike" cap="none">
                 <a:solidFill>
                   <a:schemeClr val="dk1"/>
                 </a:solidFill>
@@ -4147,7 +4155,7 @@
               </a:rPr>
               <a:t>Constraints within solution space</a:t>
             </a:r>
-            <a:endParaRPr sz="1400" b="0" i="0" u="none" strike="noStrike" cap="none">
+            <a:endParaRPr sz="1600" b="0" i="0" u="none" strike="noStrike" cap="none">
               <a:solidFill>
                 <a:srgbClr val="000000"/>
               </a:solidFill>
@@ -4204,7 +4212,7 @@
               <a:buNone/>
             </a:pPr>
             <a:r>
-              <a:rPr lang="en-AU" sz="1428" b="0" i="0" u="none" strike="noStrike" cap="none">
+              <a:rPr lang="en-AU" sz="1600" b="0" i="0" u="none" strike="noStrike" cap="none">
                 <a:solidFill>
                   <a:schemeClr val="lt1"/>
                 </a:solidFill>
@@ -4215,7 +4223,7 @@
               </a:rPr>
               <a:t>5</a:t>
             </a:r>
-            <a:endParaRPr sz="1400" b="0" i="0" u="none" strike="noStrike" cap="none">
+            <a:endParaRPr sz="1600" b="0" i="0" u="none" strike="noStrike" cap="none">
               <a:solidFill>
                 <a:srgbClr val="000000"/>
               </a:solidFill>
@@ -4235,7 +4243,7 @@
         </p:nvSpPr>
         <p:spPr>
           <a:xfrm>
-            <a:off x="218936" y="4180801"/>
+            <a:off x="218936" y="4282405"/>
             <a:ext cx="288315" cy="288315"/>
           </a:xfrm>
           <a:prstGeom prst="rect">
@@ -4272,7 +4280,7 @@
               <a:buNone/>
             </a:pPr>
             <a:r>
-              <a:rPr lang="en-AU" sz="1428" b="0" i="0" u="none" strike="noStrike" cap="none" dirty="0">
+              <a:rPr lang="en-AU" sz="1600" b="0" i="0" u="none" strike="noStrike" cap="none" dirty="0">
                 <a:solidFill>
                   <a:schemeClr val="lt1"/>
                 </a:solidFill>
@@ -4283,7 +4291,7 @@
               </a:rPr>
               <a:t>2</a:t>
             </a:r>
-            <a:endParaRPr sz="1400" b="0" i="0" u="none" strike="noStrike" cap="none" dirty="0">
+            <a:endParaRPr sz="1600" b="0" i="0" u="none" strike="noStrike" cap="none" dirty="0">
               <a:solidFill>
                 <a:srgbClr val="000000"/>
               </a:solidFill>
@@ -4303,7 +4311,7 @@
         </p:nvSpPr>
         <p:spPr>
           <a:xfrm>
-            <a:off x="601195" y="4212857"/>
+            <a:off x="601195" y="4314461"/>
             <a:ext cx="3597454" cy="224203"/>
           </a:xfrm>
           <a:prstGeom prst="rect">
@@ -4338,7 +4346,7 @@
               <a:buNone/>
             </a:pPr>
             <a:r>
-              <a:rPr lang="en-AU" sz="1428" b="0" i="0" u="none" strike="noStrike" cap="none">
+              <a:rPr lang="en-AU" sz="1600" b="0" i="0" u="none" strike="noStrike" cap="none">
                 <a:solidFill>
                   <a:schemeClr val="dk1"/>
                 </a:solidFill>
@@ -4349,7 +4357,7 @@
               </a:rPr>
               <a:t>Criteria for success</a:t>
             </a:r>
-            <a:endParaRPr sz="1400" b="0" i="0" u="none" strike="noStrike" cap="none">
+            <a:endParaRPr sz="1600" b="0" i="0" u="none" strike="noStrike" cap="none">
               <a:solidFill>
                 <a:srgbClr val="000000"/>
               </a:solidFill>
@@ -4404,7 +4412,7 @@
               <a:buNone/>
             </a:pPr>
             <a:r>
-              <a:rPr lang="en-AU" sz="1428" b="0" i="0" u="none" strike="noStrike" cap="none">
+              <a:rPr lang="en-AU" sz="1600" b="0" i="0" u="none" strike="noStrike" cap="none">
                 <a:solidFill>
                   <a:schemeClr val="dk1"/>
                 </a:solidFill>
@@ -4415,7 +4423,7 @@
               </a:rPr>
               <a:t>Stakeholders to provide key insight</a:t>
             </a:r>
-            <a:endParaRPr sz="1400" b="0" i="0" u="none" strike="noStrike" cap="none">
+            <a:endParaRPr sz="1600" b="0" i="0" u="none" strike="noStrike" cap="none">
               <a:solidFill>
                 <a:srgbClr val="000000"/>
               </a:solidFill>
@@ -4435,7 +4443,7 @@
         </p:nvSpPr>
         <p:spPr>
           <a:xfrm>
-            <a:off x="218936" y="5237969"/>
+            <a:off x="218936" y="5314172"/>
             <a:ext cx="288315" cy="288315"/>
           </a:xfrm>
           <a:prstGeom prst="rect">
@@ -4472,7 +4480,7 @@
               <a:buNone/>
             </a:pPr>
             <a:r>
-              <a:rPr lang="en-AU" sz="1428" b="0" i="0" u="none" strike="noStrike" cap="none" dirty="0">
+              <a:rPr lang="en-AU" sz="1600" b="0" i="0" u="none" strike="noStrike" cap="none" dirty="0">
                 <a:solidFill>
                   <a:schemeClr val="lt1"/>
                 </a:solidFill>
@@ -4483,7 +4491,7 @@
               </a:rPr>
               <a:t>3</a:t>
             </a:r>
-            <a:endParaRPr sz="1400" b="0" i="0" u="none" strike="noStrike" cap="none" dirty="0">
+            <a:endParaRPr sz="1600" b="0" i="0" u="none" strike="noStrike" cap="none" dirty="0">
               <a:solidFill>
                 <a:srgbClr val="000000"/>
               </a:solidFill>
@@ -4540,7 +4548,7 @@
               <a:buNone/>
             </a:pPr>
             <a:r>
-              <a:rPr lang="en-AU" sz="1428" b="0" i="0" u="none" strike="noStrike" cap="none" dirty="0">
+              <a:rPr lang="en-AU" sz="1600" b="0" i="0" u="none" strike="noStrike" cap="none" dirty="0">
                 <a:solidFill>
                   <a:schemeClr val="lt1"/>
                 </a:solidFill>
@@ -4551,7 +4559,7 @@
               </a:rPr>
               <a:t>6</a:t>
             </a:r>
-            <a:endParaRPr sz="1400" b="0" i="0" u="none" strike="noStrike" cap="none" dirty="0">
+            <a:endParaRPr sz="1600" b="0" i="0" u="none" strike="noStrike" cap="none" dirty="0">
               <a:solidFill>
                 <a:srgbClr val="000000"/>
               </a:solidFill>
@@ -4571,7 +4579,7 @@
         </p:nvSpPr>
         <p:spPr>
           <a:xfrm>
-            <a:off x="601195" y="5272256"/>
+            <a:off x="601195" y="5348459"/>
             <a:ext cx="3597454" cy="219740"/>
           </a:xfrm>
           <a:prstGeom prst="rect">
@@ -4606,7 +4614,7 @@
               <a:buNone/>
             </a:pPr>
             <a:r>
-              <a:rPr lang="en-AU" sz="1428" b="0" i="0" u="none" strike="noStrike" cap="none" dirty="0">
+              <a:rPr lang="en-AU" sz="1600" b="0" i="0" u="none" strike="noStrike" cap="none" dirty="0">
                 <a:solidFill>
                   <a:schemeClr val="dk1"/>
                 </a:solidFill>
@@ -4617,7 +4625,7 @@
               </a:rPr>
               <a:t>Scope of solution space </a:t>
             </a:r>
-            <a:endParaRPr sz="1400" b="0" i="0" u="none" strike="noStrike" cap="none" dirty="0">
+            <a:endParaRPr sz="1600" b="0" i="0" u="none" strike="noStrike" cap="none" dirty="0">
               <a:solidFill>
                 <a:srgbClr val="000000"/>
               </a:solidFill>
@@ -4672,7 +4680,7 @@
               <a:buNone/>
             </a:pPr>
             <a:r>
-              <a:rPr lang="en-AU" sz="1428" dirty="0">
+              <a:rPr lang="en-AU" sz="1600" dirty="0">
                 <a:solidFill>
                   <a:schemeClr val="dk1"/>
                 </a:solidFill>
@@ -4680,18 +4688,15 @@
               <a:t>Key</a:t>
             </a:r>
             <a:r>
-              <a:rPr lang="en-AU" sz="1428" b="0" i="0" u="none" strike="noStrike" cap="none" dirty="0">
+              <a:rPr lang="en-AU" sz="1600" b="0" i="0" u="none" strike="noStrike" cap="none" dirty="0">
                 <a:solidFill>
                   <a:schemeClr val="dk1"/>
                 </a:solidFill>
-                <a:latin typeface="Arial"/>
-                <a:ea typeface="Arial"/>
-                <a:cs typeface="Arial"/>
                 <a:sym typeface="Arial"/>
               </a:rPr>
               <a:t> data sources </a:t>
             </a:r>
-            <a:endParaRPr sz="1400" b="0" i="0" u="none" strike="noStrike" cap="none" dirty="0">
+            <a:endParaRPr sz="1600" b="0" i="0" u="none" strike="noStrike" cap="none" dirty="0">
               <a:solidFill>
                 <a:srgbClr val="000000"/>
               </a:solidFill>
@@ -4711,7 +4716,7 @@
         </p:nvSpPr>
         <p:spPr>
           <a:xfrm>
-            <a:off x="143108" y="1939587"/>
+            <a:off x="143108" y="1931120"/>
             <a:ext cx="4324418" cy="1794237"/>
           </a:xfrm>
           <a:prstGeom prst="rect">
@@ -4730,26 +4735,66 @@
           <a:p>
             <a:pPr lvl="0"/>
             <a:r>
-              <a:rPr lang="en-US" sz="1100" dirty="0" err="1"/>
-              <a:t>InSense</a:t>
-            </a:r>
-            <a:r>
-              <a:rPr lang="en-US" sz="1100" dirty="0"/>
-              <a:t> energy tracking </a:t>
-            </a:r>
-            <a:r>
-              <a:rPr lang="en-US" sz="1100" dirty="0" smtClean="0"/>
-              <a:t>sensor is NSC’s newest </a:t>
-            </a:r>
-            <a:r>
-              <a:rPr lang="en-US" sz="1100" dirty="0"/>
-              <a:t>offering in </a:t>
-            </a:r>
-            <a:r>
-              <a:rPr lang="en-US" sz="1100" dirty="0" smtClean="0"/>
-              <a:t>the</a:t>
-            </a:r>
-            <a:endParaRPr sz="1100" dirty="0"/>
+              <a:rPr lang="en-US" sz="1200" dirty="0"/>
+              <a:t>Big Mountain </a:t>
+            </a:r>
+            <a:r>
+              <a:rPr lang="en-US" sz="1200" dirty="0" smtClean="0"/>
+              <a:t>Resort is a </a:t>
+            </a:r>
+            <a:r>
+              <a:rPr lang="en-US" sz="1200" dirty="0"/>
+              <a:t>ski resort located in Montana. I</a:t>
+            </a:r>
+            <a:r>
+              <a:rPr lang="en-US" sz="1200" dirty="0" smtClean="0"/>
+              <a:t>t offers great services and accommodates about 350,000 people ski or snowboard every year. Big </a:t>
+            </a:r>
+            <a:r>
+              <a:rPr lang="en-US" sz="1200" dirty="0"/>
+              <a:t>Mountain Resort has recently installed an additional chair lift to help increase </a:t>
+            </a:r>
+            <a:r>
+              <a:rPr lang="en-US" sz="1200" dirty="0" smtClean="0"/>
+              <a:t>the distribution </a:t>
+            </a:r>
+            <a:r>
+              <a:rPr lang="en-US" sz="1200" dirty="0"/>
+              <a:t>of visitors across the mountain. This additional chair increases </a:t>
+            </a:r>
+            <a:r>
+              <a:rPr lang="en-US" sz="1200" dirty="0" smtClean="0"/>
+              <a:t>their operating </a:t>
+            </a:r>
+            <a:r>
+              <a:rPr lang="en-US" sz="1200" dirty="0"/>
+              <a:t>costs by $1,540,000 this season</a:t>
+            </a:r>
+            <a:r>
+              <a:rPr lang="en-US" sz="1200" dirty="0" smtClean="0"/>
+              <a:t>. The </a:t>
+            </a:r>
+            <a:r>
+              <a:rPr lang="en-US" sz="1200" dirty="0"/>
+              <a:t>resort's pricing strategy has been to charge a premium above the average price </a:t>
+            </a:r>
+            <a:r>
+              <a:rPr lang="en-US" sz="1200" dirty="0" smtClean="0"/>
+              <a:t>of resorts </a:t>
+            </a:r>
+            <a:r>
+              <a:rPr lang="en-US" sz="1200" dirty="0"/>
+              <a:t>in its market segment. </a:t>
+            </a:r>
+            <a:r>
+              <a:rPr lang="en-US" sz="1200" dirty="0" smtClean="0"/>
+              <a:t>They notice the limitation of this approach and want to improve their investment strategy based on data analysis to gain a good </a:t>
+            </a:r>
+            <a:r>
+              <a:rPr lang="en-US" sz="1200" dirty="0"/>
+              <a:t>sense of how important some facilities are compared to others. </a:t>
+            </a:r>
+            <a:endParaRPr sz="1200" dirty="0"/>
           </a:p>
         </p:txBody>
       </p:sp>
@@ -4761,7 +4806,7 @@
         </p:nvSpPr>
         <p:spPr>
           <a:xfrm>
-            <a:off x="143108" y="4512579"/>
+            <a:off x="143108" y="4614183"/>
             <a:ext cx="4324418" cy="702901"/>
           </a:xfrm>
           <a:prstGeom prst="rect">
@@ -4791,10 +4836,14 @@
               <a:buNone/>
             </a:pPr>
             <a:r>
-              <a:rPr lang="en-US" sz="1100" dirty="0" smtClean="0"/>
-              <a:t>NSC</a:t>
-            </a:r>
-            <a:endParaRPr sz="1100" i="0" u="none" strike="noStrike" cap="none" dirty="0">
+              <a:rPr lang="en-US" sz="1200" dirty="0" smtClean="0"/>
+              <a:t>Big mount will get information about what are the key factors related to ticket price and decide whether to keep or increase the ticket price before the  beginnin</a:t>
+            </a:r>
+            <a:r>
+              <a:rPr lang="en-US" sz="1200" dirty="0" smtClean="0"/>
+              <a:t>g of next season.</a:t>
+            </a:r>
+            <a:endParaRPr sz="1200" i="0" u="none" strike="noStrike" cap="none" dirty="0">
               <a:solidFill>
                 <a:srgbClr val="000000"/>
               </a:solidFill>
@@ -4811,7 +4860,7 @@
         </p:nvSpPr>
         <p:spPr>
           <a:xfrm>
-            <a:off x="186842" y="5625089"/>
+            <a:off x="186842" y="5701292"/>
             <a:ext cx="4324418" cy="530184"/>
           </a:xfrm>
           <a:prstGeom prst="rect">
@@ -4830,15 +4879,10 @@
           <a:p>
             <a:pPr lvl="0"/>
             <a:r>
-              <a:rPr lang="en-AU" sz="1100" b="0" i="0" u="none" strike="noStrike" cap="none" dirty="0" smtClean="0">
-                <a:solidFill>
-                  <a:srgbClr val="000000"/>
-                </a:solidFill>
-                <a:sym typeface="Arial"/>
-              </a:rPr>
-              <a:t>Only</a:t>
-            </a:r>
-            <a:endParaRPr sz="1100" b="0" i="0" u="none" strike="noStrike" cap="none" dirty="0">
+              <a:rPr lang="en-AU" sz="1200" dirty="0" smtClean="0"/>
+              <a:t>Strategies will just be increase the ticket price or cut operation cost based on the importance of their facilities.</a:t>
+            </a:r>
+            <a:endParaRPr sz="1200" b="0" i="0" u="none" strike="noStrike" cap="none" dirty="0">
               <a:solidFill>
                 <a:srgbClr val="000000"/>
               </a:solidFill>
@@ -4877,53 +4921,32 @@
               <a:buChar char="•"/>
             </a:pPr>
             <a:r>
-              <a:rPr lang="en-AU" sz="1100" dirty="0"/>
-              <a:t>There are 26 suppliers for the 7 </a:t>
-            </a:r>
-            <a:r>
-              <a:rPr lang="en-AU" sz="1100" dirty="0" err="1"/>
-              <a:t>InSense</a:t>
-            </a:r>
-            <a:r>
-              <a:rPr lang="en-AU" sz="1100" dirty="0"/>
-              <a:t> sensor parts and at least 4 factories are manufacturing </a:t>
-            </a:r>
-            <a:r>
-              <a:rPr lang="en-AU" sz="1100" dirty="0" err="1"/>
-              <a:t>Insense</a:t>
-            </a:r>
-            <a:r>
-              <a:rPr lang="en-AU" sz="1100" dirty="0"/>
-              <a:t> sensors</a:t>
-            </a:r>
-            <a:r>
-              <a:rPr lang="en-AU" sz="1100" dirty="0" smtClean="0"/>
-              <a:t>.</a:t>
-            </a:r>
-            <a:endParaRPr lang="en-US" sz="1100" dirty="0" smtClean="0"/>
+              <a:rPr lang="en-US" sz="1200" dirty="0" smtClean="0"/>
+              <a:t>There are more than 20 features need to be considered.</a:t>
+            </a:r>
           </a:p>
           <a:p>
-            <a:pPr marL="171450" lvl="0" indent="-171450">
+            <a:pPr marL="171450" indent="-171450">
               <a:buFont typeface="Arial"/>
               <a:buChar char="•"/>
             </a:pPr>
             <a:r>
-              <a:rPr lang="en-US" sz="1100" dirty="0" smtClean="0"/>
-              <a:t>Chi</a:t>
-            </a:r>
-            <a:r>
-              <a:rPr lang="en-US" sz="1100" dirty="0"/>
-              <a:t>-squares testing had not identified either the cause (specific </a:t>
-            </a:r>
-            <a:r>
-              <a:rPr lang="en-US" sz="1100"/>
-              <a:t>part</a:t>
-            </a:r>
-            <a:r>
-              <a:rPr lang="en-US" sz="1100" smtClean="0"/>
-              <a:t>)</a:t>
-            </a:r>
-            <a:endParaRPr lang="en-AU" sz="1100" dirty="0" smtClean="0"/>
+              <a:rPr lang="en-US" sz="1200" dirty="0" smtClean="0"/>
+              <a:t>The data are from resorts in different states, states may also an influencer for the price.</a:t>
+            </a:r>
+          </a:p>
+          <a:p>
+            <a:pPr marL="171450" indent="-171450">
+              <a:buFont typeface="Arial"/>
+              <a:buChar char="•"/>
+            </a:pPr>
+            <a:r>
+              <a:rPr lang="en-US" sz="1200" dirty="0" smtClean="0"/>
+              <a:t>One missing value already seen from one observation in the printed table.</a:t>
+            </a:r>
+          </a:p>
+          <a:p>
+            <a:endParaRPr lang="en-AU" sz="1200" dirty="0" smtClean="0"/>
           </a:p>
         </p:txBody>
       </p:sp>
@@ -4935,8 +4958,8 @@
         </p:nvSpPr>
         <p:spPr>
           <a:xfrm>
-            <a:off x="4590928" y="5415387"/>
-            <a:ext cx="4324418" cy="689093"/>
+            <a:off x="4590928" y="5571067"/>
+            <a:ext cx="4324418" cy="533413"/>
           </a:xfrm>
           <a:prstGeom prst="rect">
             <a:avLst/>
@@ -4954,14 +4977,10 @@
           <a:p>
             <a:pPr lvl="0"/>
             <a:r>
-              <a:rPr lang="en-US" sz="1100" dirty="0" smtClean="0"/>
-              <a:t>Cert</a:t>
-            </a:r>
-            <a:r>
-              <a:rPr lang="en-US" sz="1100" dirty="0" smtClean="0"/>
-              <a:t>:</a:t>
-            </a:r>
-            <a:endParaRPr sz="1070" b="1" i="0" u="none" strike="noStrike" cap="none" dirty="0">
+              <a:rPr lang="en-US" sz="1200" dirty="0"/>
+              <a:t>CSV file that you got from the database manager</a:t>
+            </a:r>
+            <a:endParaRPr sz="1100" b="1" i="0" u="none" strike="noStrike" cap="none" dirty="0">
               <a:solidFill>
                 <a:srgbClr val="000000"/>
               </a:solidFill>
@@ -5552,20 +5571,24 @@
               <a:buChar char="•"/>
             </a:pPr>
             <a:r>
-              <a:rPr lang="en-US" sz="1100" dirty="0" smtClean="0"/>
-              <a:t>Vince </a:t>
-            </a:r>
-            <a:r>
-              <a:rPr lang="en-US" sz="1100" dirty="0" err="1" smtClean="0"/>
-              <a:t>Maccano</a:t>
-            </a:r>
-            <a:r>
-              <a:rPr lang="en-US" sz="1100" dirty="0"/>
+              <a:rPr lang="en-US" sz="1200" dirty="0" smtClean="0"/>
+              <a:t>Jimmy Blackburn</a:t>
+            </a:r>
+            <a:r>
+              <a:rPr lang="en-US" sz="1200" dirty="0"/>
               <a:t> </a:t>
             </a:r>
             <a:r>
-              <a:rPr lang="en-US" sz="1100" dirty="0" smtClean="0"/>
-              <a:t>(Head of Data Science)</a:t>
+              <a:rPr lang="en-US" sz="1200" dirty="0" smtClean="0"/>
+              <a:t>(</a:t>
+            </a:r>
+            <a:r>
+              <a:rPr lang="en-US" sz="1200" dirty="0"/>
+              <a:t>Director of </a:t>
+            </a:r>
+            <a:r>
+              <a:rPr lang="en-US" sz="1200" dirty="0" smtClean="0"/>
+              <a:t>Operations)</a:t>
             </a:r>
           </a:p>
           <a:p>
@@ -5574,22 +5597,26 @@
               <a:buChar char="•"/>
             </a:pPr>
             <a:r>
-              <a:rPr lang="en-US" sz="1100" dirty="0" smtClean="0"/>
-              <a:t>Tony Abraham (</a:t>
-            </a:r>
-            <a:r>
-              <a:rPr lang="en-US" sz="1100" dirty="0" err="1"/>
-              <a:t>InSense</a:t>
-            </a:r>
-            <a:r>
-              <a:rPr lang="en-US" sz="1100" dirty="0"/>
-              <a:t> VP) </a:t>
-            </a:r>
-            <a:endParaRPr lang="en-US" sz="1100" dirty="0" smtClean="0"/>
+              <a:rPr lang="en-US" sz="1200" dirty="0" err="1" smtClean="0"/>
+              <a:t>Alesha</a:t>
+            </a:r>
+            <a:r>
+              <a:rPr lang="en-US" sz="1200" dirty="0" smtClean="0"/>
+              <a:t> </a:t>
+            </a:r>
+            <a:r>
+              <a:rPr lang="en-US" sz="1200" dirty="0" err="1" smtClean="0"/>
+              <a:t>Eisen</a:t>
+            </a:r>
+            <a:r>
+              <a:rPr lang="en-US" sz="1200" dirty="0" smtClean="0"/>
+              <a:t> (Database Manager)</a:t>
+            </a:r>
+            <a:endParaRPr lang="en-US" sz="1200" dirty="0" smtClean="0"/>
           </a:p>
           <a:p>
             <a:pPr lvl="0"/>
-            <a:endParaRPr sz="1400" b="0" i="0" u="none" strike="noStrike" cap="none" dirty="0">
+            <a:endParaRPr sz="1600" b="0" i="0" u="none" strike="noStrike" cap="none" dirty="0">
               <a:solidFill>
                 <a:srgbClr val="000000"/>
               </a:solidFill>
@@ -5630,18 +5657,34 @@
               <a:buSzPts val="1400"/>
             </a:pPr>
             <a:r>
-              <a:rPr lang="en-US" sz="1200" dirty="0" smtClean="0"/>
-              <a:t>Nordic</a:t>
-            </a:r>
-            <a:endParaRPr sz="1200" b="1" i="0" u="none" strike="noStrike" cap="none" dirty="0">
-              <a:solidFill>
-                <a:srgbClr val="000000"/>
-              </a:solidFill>
-              <a:latin typeface="Arial"/>
-              <a:ea typeface="Arial"/>
-              <a:cs typeface="Arial"/>
-              <a:sym typeface="Arial"/>
-            </a:endParaRPr>
+              <a:rPr lang="en-US" sz="1200" b="1" dirty="0"/>
+              <a:t>Big Mountain </a:t>
+            </a:r>
+            <a:r>
+              <a:rPr lang="en-US" sz="1200" b="1" dirty="0" smtClean="0"/>
+              <a:t>Resort </a:t>
+            </a:r>
+            <a:r>
+              <a:rPr lang="en-US" sz="1200" b="1" dirty="0"/>
+              <a:t>must </a:t>
+            </a:r>
+            <a:r>
+              <a:rPr lang="en-US" sz="1200" b="1" dirty="0" smtClean="0"/>
+              <a:t>decide before the start of next season if they should cut </a:t>
+            </a:r>
+            <a:r>
+              <a:rPr lang="en-US" sz="1200" b="1" dirty="0"/>
+              <a:t>costs without undermining the ticket price or </a:t>
+            </a:r>
+            <a:r>
+              <a:rPr lang="en-US" sz="1200" b="1" dirty="0"/>
+              <a:t>increase the ticket </a:t>
+            </a:r>
+            <a:r>
+              <a:rPr lang="en-US" sz="1200" b="1" dirty="0" smtClean="0"/>
+              <a:t>price.</a:t>
+            </a:r>
+            <a:endParaRPr sz="1200" b="1" dirty="0"/>
           </a:p>
         </p:txBody>
       </p:sp>
